--- a/decks/workshop-operator/workshop-operator.pptx
+++ b/decks/workshop-operator/workshop-operator.pptx
@@ -519,7 +519,7 @@
           <a:p>
             <a:r>
               <a:rPr lang="en-US" dirty="0"/>
-              <a:t>Welcome to Session 3 of the AI Academy. This session requires Claude Code or equivalent agentic tool.</a:t>
+              <a:t>Session 3. Requires Claude Code or equivalent agentic tool.</a:t>
             </a:r>
             <a:endParaRPr lang="en-US" dirty="0"/>
           </a:p>
@@ -783,7 +783,7 @@
           <a:p>
             <a:r>
               <a:rPr lang="en-US" dirty="0"/>
-              <a:t>The reveal. The agent didn’t just do what you asked — it found context you wouldn’t have thought to include.</a:t>
+              <a:t>The reveal. Agent found context beyond the explicit request.</a:t>
             </a:r>
             <a:endParaRPr lang="en-US" dirty="0"/>
           </a:p>
@@ -871,7 +871,7 @@
           <a:p>
             <a:r>
               <a:rPr lang="en-US" dirty="0"/>
-              <a:t>You just handed AI the keys. How do you know it’s right?</a:t>
+              <a:t>Transition to trust. AI has the keys — how to verify?</a:t>
             </a:r>
             <a:endParaRPr lang="en-US" dirty="0"/>
           </a:p>
@@ -959,7 +959,7 @@
           <a:p>
             <a:r>
               <a:rPr lang="en-US" dirty="0"/>
-              <a:t>Give 3-4 minutes. Group discussion: ‘Was it accurate? When do you trust, when do you verify?’ The ‘feels right’ moment is the most dangerous.</a:t>
+              <a:t>3-4 min. Group discussion: accuracy, trust vs verify. ‘Feels right’ = most dangerous moment.</a:t>
             </a:r>
             <a:endParaRPr lang="en-US" dirty="0"/>
           </a:p>
@@ -1047,7 +1047,7 @@
           <a:p>
             <a:r>
               <a:rPr lang="en-US" dirty="0"/>
-              <a:t>The mindset. You review. You judge. You approve. The agent does the grunt work.</a:t>
+              <a:t>Core mindset: human reviews, judges, approves. Agent does grunt work.</a:t>
             </a:r>
             <a:endParaRPr lang="en-US" dirty="0"/>
           </a:p>
@@ -1399,7 +1399,7 @@
           <a:p>
             <a:r>
               <a:rPr lang="en-US" dirty="0"/>
-              <a:t>Strategist → Operator. You talk to AI well and you’ve set up its playbook. Today the AI does the work.</a:t>
+              <a:t>Strategist → Operator. AI talks and playbook done. Today: AI does the work.</a:t>
             </a:r>
             <a:endParaRPr lang="en-US" dirty="0"/>
           </a:p>
@@ -1487,7 +1487,7 @@
           <a:p>
             <a:r>
               <a:rPr lang="en-US" dirty="0"/>
-              <a:t>Callback to Workshop 2’s cliffhanger. They’re still the bottleneck — copy-pasting, searching, assembling. Today that changes.</a:t>
+              <a:t>Callback to W2 cliffhanger. Audience still bottleneck: copy-paste, search, assemble.</a:t>
             </a:r>
             <a:endParaRPr lang="en-US" dirty="0"/>
           </a:p>
@@ -1575,7 +1575,7 @@
           <a:p>
             <a:r>
               <a:rPr lang="en-US" dirty="0"/>
-              <a:t>The copy-paste cycle. Every step has ‘you’ in it. You’re the bottleneck at every point.</a:t>
+              <a:t>Copy-paste cycle. Every step has ‘you’ — human is bottleneck at each point.</a:t>
             </a:r>
             <a:endParaRPr lang="en-US" dirty="0"/>
           </a:p>
@@ -1751,7 +1751,7 @@
           <a:p>
             <a:r>
               <a:rPr lang="en-US" dirty="0"/>
-              <a:t>Same four steps. You only appear at step 4. The agent retrieves, identifies gaps, creates. You review.</a:t>
+              <a:t>Same four steps. Human only at step 4 (review). Agent handles retrieve, identify, create.</a:t>
             </a:r>
             <a:endParaRPr lang="en-US" dirty="0"/>
           </a:p>
